--- a/Unit 1 Measurement Skills/Day 7 Variables And Relationships/Graphing Skills.pptx
+++ b/Unit 1 Measurement Skills/Day 7 Variables And Relationships/Graphing Skills.pptx
@@ -107,6 +107,11 @@
       </a:defRPr>
     </a:lvl9pPr>
   </p:defaultTextStyle>
+  <p:extLst>
+    <p:ext uri="{EFAFB233-063F-42B5-8137-9DF3F51BA10A}">
+      <p15:sldGuideLst xmlns:p15="http://schemas.microsoft.com/office/powerpoint/2012/main"/>
+    </p:ext>
+  </p:extLst>
 </p:presentation>
 </file>
 
@@ -115,7 +120,7 @@
 </file>
 
 <file path=ppt/charts/chart1.xml><?xml version="1.0" encoding="utf-8"?>
-<c:chartSpace xmlns:c="http://schemas.openxmlformats.org/drawingml/2006/chart" xmlns:a="http://schemas.openxmlformats.org/drawingml/2006/main" xmlns:r="http://schemas.openxmlformats.org/officeDocument/2006/relationships" xmlns:c16r2="http://schemas.microsoft.com/office/drawing/2015/06/chart">
+<c:chartSpace xmlns:c="http://schemas.openxmlformats.org/drawingml/2006/chart" xmlns:a="http://schemas.openxmlformats.org/drawingml/2006/main" xmlns:r="http://schemas.openxmlformats.org/officeDocument/2006/relationships">
   <c:date1904 val="0"/>
   <c:lang val="en-US"/>
   <c:roundedCorners val="0"/>
@@ -156,6 +161,7 @@
           </a:p>
         </c:rich>
       </c:tx>
+      <c:layout/>
       <c:overlay val="0"/>
     </c:title>
     <c:autoTitleDeleted val="0"/>
@@ -249,7 +255,7 @@
             </c:numRef>
           </c:yVal>
           <c:smooth val="0"/>
-          <c:extLst>
+          <c:extLst xmlns:c16r2="http://schemas.microsoft.com/office/drawing/2015/06/chart">
             <c:ext xmlns:c16="http://schemas.microsoft.com/office/drawing/2014/chart" uri="{C3380CC4-5D6E-409C-BE32-E72D297353CC}">
               <c16:uniqueId val="{00000003-4E9D-4385-BB0B-D17F28EBD315}"/>
             </c:ext>
@@ -263,11 +269,11 @@
           <c:showPercent val="0"/>
           <c:showBubbleSize val="0"/>
         </c:dLbls>
-        <c:axId val="150426368"/>
-        <c:axId val="150428288"/>
+        <c:axId val="252388104"/>
+        <c:axId val="252390064"/>
       </c:scatterChart>
       <c:valAx>
-        <c:axId val="150426368"/>
+        <c:axId val="252388104"/>
         <c:scaling>
           <c:orientation val="minMax"/>
         </c:scaling>
@@ -290,18 +296,19 @@
               </a:p>
             </c:rich>
           </c:tx>
+          <c:layout/>
           <c:overlay val="0"/>
         </c:title>
         <c:numFmt formatCode="General" sourceLinked="1"/>
         <c:majorTickMark val="none"/>
         <c:minorTickMark val="none"/>
         <c:tickLblPos val="nextTo"/>
-        <c:crossAx val="150428288"/>
+        <c:crossAx val="252390064"/>
         <c:crosses val="autoZero"/>
         <c:crossBetween val="midCat"/>
       </c:valAx>
       <c:valAx>
-        <c:axId val="150428288"/>
+        <c:axId val="252390064"/>
         <c:scaling>
           <c:orientation val="minMax"/>
         </c:scaling>
@@ -324,13 +331,14 @@
               </a:p>
             </c:rich>
           </c:tx>
+          <c:layout/>
           <c:overlay val="0"/>
         </c:title>
         <c:numFmt formatCode="General" sourceLinked="1"/>
         <c:majorTickMark val="none"/>
         <c:minorTickMark val="none"/>
         <c:tickLblPos val="nextTo"/>
-        <c:crossAx val="150426368"/>
+        <c:crossAx val="252388104"/>
         <c:crosses val="autoZero"/>
         <c:crossBetween val="midCat"/>
       </c:valAx>
@@ -346,7 +354,7 @@
 </file>
 
 <file path=ppt/charts/chart2.xml><?xml version="1.0" encoding="utf-8"?>
-<c:chartSpace xmlns:c="http://schemas.openxmlformats.org/drawingml/2006/chart" xmlns:a="http://schemas.openxmlformats.org/drawingml/2006/main" xmlns:r="http://schemas.openxmlformats.org/officeDocument/2006/relationships" xmlns:c16r2="http://schemas.microsoft.com/office/drawing/2015/06/chart">
+<c:chartSpace xmlns:c="http://schemas.openxmlformats.org/drawingml/2006/chart" xmlns:a="http://schemas.openxmlformats.org/drawingml/2006/main" xmlns:r="http://schemas.openxmlformats.org/officeDocument/2006/relationships">
   <c:date1904 val="0"/>
   <c:lang val="en-US"/>
   <c:roundedCorners val="0"/>
@@ -387,6 +395,7 @@
           </a:p>
         </c:rich>
       </c:tx>
+      <c:layout/>
       <c:overlay val="0"/>
     </c:title>
     <c:autoTitleDeleted val="0"/>
@@ -480,7 +489,7 @@
             </c:numRef>
           </c:yVal>
           <c:smooth val="0"/>
-          <c:extLst>
+          <c:extLst xmlns:c16r2="http://schemas.microsoft.com/office/drawing/2015/06/chart">
             <c:ext xmlns:c16="http://schemas.microsoft.com/office/drawing/2014/chart" uri="{C3380CC4-5D6E-409C-BE32-E72D297353CC}">
               <c16:uniqueId val="{00000003-B2DC-4911-9A9A-6095E23F8A9C}"/>
             </c:ext>
@@ -494,11 +503,11 @@
           <c:showPercent val="0"/>
           <c:showBubbleSize val="0"/>
         </c:dLbls>
-        <c:axId val="150426368"/>
-        <c:axId val="150428288"/>
+        <c:axId val="252386928"/>
+        <c:axId val="254435360"/>
       </c:scatterChart>
       <c:valAx>
-        <c:axId val="150426368"/>
+        <c:axId val="252386928"/>
         <c:scaling>
           <c:orientation val="minMax"/>
         </c:scaling>
@@ -521,18 +530,19 @@
               </a:p>
             </c:rich>
           </c:tx>
+          <c:layout/>
           <c:overlay val="0"/>
         </c:title>
         <c:numFmt formatCode="General" sourceLinked="1"/>
         <c:majorTickMark val="none"/>
         <c:minorTickMark val="none"/>
         <c:tickLblPos val="nextTo"/>
-        <c:crossAx val="150428288"/>
+        <c:crossAx val="254435360"/>
         <c:crosses val="autoZero"/>
         <c:crossBetween val="midCat"/>
       </c:valAx>
       <c:valAx>
-        <c:axId val="150428288"/>
+        <c:axId val="254435360"/>
         <c:scaling>
           <c:orientation val="minMax"/>
         </c:scaling>
@@ -555,13 +565,14 @@
               </a:p>
             </c:rich>
           </c:tx>
+          <c:layout/>
           <c:overlay val="0"/>
         </c:title>
         <c:numFmt formatCode="General" sourceLinked="1"/>
         <c:majorTickMark val="none"/>
         <c:minorTickMark val="none"/>
         <c:tickLblPos val="nextTo"/>
-        <c:crossAx val="150426368"/>
+        <c:crossAx val="252386928"/>
         <c:crosses val="autoZero"/>
         <c:crossBetween val="midCat"/>
       </c:valAx>
@@ -707,7 +718,7 @@
           <a:p>
             <a:fld id="{2373DE62-4EFF-4552-8A21-248F77BFD07C}" type="datetimeFigureOut">
               <a:rPr lang="en-US" smtClean="0"/>
-              <a:t>9/10/2017</a:t>
+              <a:t>9/12/2019</a:t>
             </a:fld>
             <a:endParaRPr lang="en-US"/>
           </a:p>
@@ -877,7 +888,7 @@
           <a:p>
             <a:fld id="{2373DE62-4EFF-4552-8A21-248F77BFD07C}" type="datetimeFigureOut">
               <a:rPr lang="en-US" smtClean="0"/>
-              <a:t>9/10/2017</a:t>
+              <a:t>9/12/2019</a:t>
             </a:fld>
             <a:endParaRPr lang="en-US"/>
           </a:p>
@@ -1057,7 +1068,7 @@
           <a:p>
             <a:fld id="{2373DE62-4EFF-4552-8A21-248F77BFD07C}" type="datetimeFigureOut">
               <a:rPr lang="en-US" smtClean="0"/>
-              <a:t>9/10/2017</a:t>
+              <a:t>9/12/2019</a:t>
             </a:fld>
             <a:endParaRPr lang="en-US"/>
           </a:p>
@@ -1227,7 +1238,7 @@
           <a:p>
             <a:fld id="{2373DE62-4EFF-4552-8A21-248F77BFD07C}" type="datetimeFigureOut">
               <a:rPr lang="en-US" smtClean="0"/>
-              <a:t>9/10/2017</a:t>
+              <a:t>9/12/2019</a:t>
             </a:fld>
             <a:endParaRPr lang="en-US"/>
           </a:p>
@@ -1471,7 +1482,7 @@
           <a:p>
             <a:fld id="{2373DE62-4EFF-4552-8A21-248F77BFD07C}" type="datetimeFigureOut">
               <a:rPr lang="en-US" smtClean="0"/>
-              <a:t>9/10/2017</a:t>
+              <a:t>9/12/2019</a:t>
             </a:fld>
             <a:endParaRPr lang="en-US"/>
           </a:p>
@@ -1703,7 +1714,7 @@
           <a:p>
             <a:fld id="{2373DE62-4EFF-4552-8A21-248F77BFD07C}" type="datetimeFigureOut">
               <a:rPr lang="en-US" smtClean="0"/>
-              <a:t>9/10/2017</a:t>
+              <a:t>9/12/2019</a:t>
             </a:fld>
             <a:endParaRPr lang="en-US"/>
           </a:p>
@@ -2070,7 +2081,7 @@
           <a:p>
             <a:fld id="{2373DE62-4EFF-4552-8A21-248F77BFD07C}" type="datetimeFigureOut">
               <a:rPr lang="en-US" smtClean="0"/>
-              <a:t>9/10/2017</a:t>
+              <a:t>9/12/2019</a:t>
             </a:fld>
             <a:endParaRPr lang="en-US"/>
           </a:p>
@@ -2188,7 +2199,7 @@
           <a:p>
             <a:fld id="{2373DE62-4EFF-4552-8A21-248F77BFD07C}" type="datetimeFigureOut">
               <a:rPr lang="en-US" smtClean="0"/>
-              <a:t>9/10/2017</a:t>
+              <a:t>9/12/2019</a:t>
             </a:fld>
             <a:endParaRPr lang="en-US"/>
           </a:p>
@@ -2283,7 +2294,7 @@
           <a:p>
             <a:fld id="{2373DE62-4EFF-4552-8A21-248F77BFD07C}" type="datetimeFigureOut">
               <a:rPr lang="en-US" smtClean="0"/>
-              <a:t>9/10/2017</a:t>
+              <a:t>9/12/2019</a:t>
             </a:fld>
             <a:endParaRPr lang="en-US"/>
           </a:p>
@@ -2560,7 +2571,7 @@
           <a:p>
             <a:fld id="{2373DE62-4EFF-4552-8A21-248F77BFD07C}" type="datetimeFigureOut">
               <a:rPr lang="en-US" smtClean="0"/>
-              <a:t>9/10/2017</a:t>
+              <a:t>9/12/2019</a:t>
             </a:fld>
             <a:endParaRPr lang="en-US"/>
           </a:p>
@@ -2817,7 +2828,7 @@
           <a:p>
             <a:fld id="{2373DE62-4EFF-4552-8A21-248F77BFD07C}" type="datetimeFigureOut">
               <a:rPr lang="en-US" smtClean="0"/>
-              <a:t>9/10/2017</a:t>
+              <a:t>9/12/2019</a:t>
             </a:fld>
             <a:endParaRPr lang="en-US"/>
           </a:p>
@@ -3030,7 +3041,7 @@
           <a:p>
             <a:fld id="{2373DE62-4EFF-4552-8A21-248F77BFD07C}" type="datetimeFigureOut">
               <a:rPr lang="en-US" smtClean="0"/>
-              <a:t>9/10/2017</a:t>
+              <a:t>9/12/2019</a:t>
             </a:fld>
             <a:endParaRPr lang="en-US"/>
           </a:p>
@@ -3440,7 +3451,7 @@
           <p:cNvPr id="2" name="Title 1">
             <a:extLst>
               <a:ext uri="{FF2B5EF4-FFF2-40B4-BE49-F238E27FC236}">
-                <a16:creationId xmlns:a16="http://schemas.microsoft.com/office/drawing/2014/main" id="{3643CFF4-1E0A-4415-8D6E-1DB852A22CDD}"/>
+                <a16:creationId xmlns:a16="http://schemas.microsoft.com/office/drawing/2014/main" xmlns="" id="{3643CFF4-1E0A-4415-8D6E-1DB852A22CDD}"/>
               </a:ext>
             </a:extLst>
           </p:cNvPr>
@@ -3468,7 +3479,7 @@
           <p:cNvPr id="3" name="Content Placeholder 2">
             <a:extLst>
               <a:ext uri="{FF2B5EF4-FFF2-40B4-BE49-F238E27FC236}">
-                <a16:creationId xmlns:a16="http://schemas.microsoft.com/office/drawing/2014/main" id="{38009B37-F840-4F27-93D5-E7ABC4886977}"/>
+                <a16:creationId xmlns:a16="http://schemas.microsoft.com/office/drawing/2014/main" xmlns="" id="{38009B37-F840-4F27-93D5-E7ABC4886977}"/>
               </a:ext>
             </a:extLst>
           </p:cNvPr>
@@ -3571,7 +3582,7 @@
           <p:cNvPr id="2" name="Title 1">
             <a:extLst>
               <a:ext uri="{FF2B5EF4-FFF2-40B4-BE49-F238E27FC236}">
-                <a16:creationId xmlns:a16="http://schemas.microsoft.com/office/drawing/2014/main" id="{9A88B6AF-290A-4A4C-B5BC-9039D152B7B7}"/>
+                <a16:creationId xmlns:a16="http://schemas.microsoft.com/office/drawing/2014/main" xmlns="" id="{9A88B6AF-290A-4A4C-B5BC-9039D152B7B7}"/>
               </a:ext>
             </a:extLst>
           </p:cNvPr>
@@ -3599,7 +3610,7 @@
           <p:cNvPr id="3" name="Content Placeholder 2">
             <a:extLst>
               <a:ext uri="{FF2B5EF4-FFF2-40B4-BE49-F238E27FC236}">
-                <a16:creationId xmlns:a16="http://schemas.microsoft.com/office/drawing/2014/main" id="{2C49F085-F75C-4558-AE14-64181670C367}"/>
+                <a16:creationId xmlns:a16="http://schemas.microsoft.com/office/drawing/2014/main" xmlns="" id="{2C49F085-F75C-4558-AE14-64181670C367}"/>
               </a:ext>
             </a:extLst>
           </p:cNvPr>
@@ -3745,7 +3756,7 @@
           <p:cNvPr id="2" name="Title 1">
             <a:extLst>
               <a:ext uri="{FF2B5EF4-FFF2-40B4-BE49-F238E27FC236}">
-                <a16:creationId xmlns:a16="http://schemas.microsoft.com/office/drawing/2014/main" id="{876D146B-BC12-4D8A-AC82-152067CCEBA4}"/>
+                <a16:creationId xmlns:a16="http://schemas.microsoft.com/office/drawing/2014/main" xmlns="" id="{876D146B-BC12-4D8A-AC82-152067CCEBA4}"/>
               </a:ext>
             </a:extLst>
           </p:cNvPr>
@@ -3773,7 +3784,7 @@
           <p:cNvPr id="3" name="Content Placeholder 2">
             <a:extLst>
               <a:ext uri="{FF2B5EF4-FFF2-40B4-BE49-F238E27FC236}">
-                <a16:creationId xmlns:a16="http://schemas.microsoft.com/office/drawing/2014/main" id="{9832330E-1815-414C-803B-F95A7E7F5D8D}"/>
+                <a16:creationId xmlns:a16="http://schemas.microsoft.com/office/drawing/2014/main" xmlns="" id="{9832330E-1815-414C-803B-F95A7E7F5D8D}"/>
               </a:ext>
             </a:extLst>
           </p:cNvPr>
@@ -3823,7 +3834,7 @@
           <p:cNvPr id="4" name="Chart 3">
             <a:extLst>
               <a:ext uri="{FF2B5EF4-FFF2-40B4-BE49-F238E27FC236}">
-                <a16:creationId xmlns:a16="http://schemas.microsoft.com/office/drawing/2014/main" id="{7C55AA13-0984-4B1A-BCAB-29CE07815E41}"/>
+                <a16:creationId xmlns:a16="http://schemas.microsoft.com/office/drawing/2014/main" xmlns="" id="{7C55AA13-0984-4B1A-BCAB-29CE07815E41}"/>
               </a:ext>
             </a:extLst>
           </p:cNvPr>
@@ -3881,7 +3892,7 @@
           <p:cNvPr id="2" name="Title 1">
             <a:extLst>
               <a:ext uri="{FF2B5EF4-FFF2-40B4-BE49-F238E27FC236}">
-                <a16:creationId xmlns:a16="http://schemas.microsoft.com/office/drawing/2014/main" id="{B31639A6-B256-4396-BB42-60667AF62BFD}"/>
+                <a16:creationId xmlns:a16="http://schemas.microsoft.com/office/drawing/2014/main" xmlns="" id="{B31639A6-B256-4396-BB42-60667AF62BFD}"/>
               </a:ext>
             </a:extLst>
           </p:cNvPr>
@@ -3909,7 +3920,7 @@
           <p:cNvPr id="3" name="Content Placeholder 2">
             <a:extLst>
               <a:ext uri="{FF2B5EF4-FFF2-40B4-BE49-F238E27FC236}">
-                <a16:creationId xmlns:a16="http://schemas.microsoft.com/office/drawing/2014/main" id="{6B7B2F77-664C-4241-B456-1CFF61DA82D3}"/>
+                <a16:creationId xmlns:a16="http://schemas.microsoft.com/office/drawing/2014/main" xmlns="" id="{6B7B2F77-664C-4241-B456-1CFF61DA82D3}"/>
               </a:ext>
             </a:extLst>
           </p:cNvPr>
@@ -3980,7 +3991,7 @@
           <p:cNvPr id="4" name="Chart 3">
             <a:extLst>
               <a:ext uri="{FF2B5EF4-FFF2-40B4-BE49-F238E27FC236}">
-                <a16:creationId xmlns:a16="http://schemas.microsoft.com/office/drawing/2014/main" id="{8FB3B91F-2BE6-4CFD-B0EB-2E1B1944D4D2}"/>
+                <a16:creationId xmlns:a16="http://schemas.microsoft.com/office/drawing/2014/main" xmlns="" id="{8FB3B91F-2BE6-4CFD-B0EB-2E1B1944D4D2}"/>
               </a:ext>
             </a:extLst>
           </p:cNvPr>
@@ -4008,7 +4019,7 @@
           <p:cNvPr id="6" name="Star: 5 Points 5">
             <a:extLst>
               <a:ext uri="{FF2B5EF4-FFF2-40B4-BE49-F238E27FC236}">
-                <a16:creationId xmlns:a16="http://schemas.microsoft.com/office/drawing/2014/main" id="{64D81730-A47A-447C-8606-AFF4589DCD73}"/>
+                <a16:creationId xmlns:a16="http://schemas.microsoft.com/office/drawing/2014/main" xmlns="" id="{64D81730-A47A-447C-8606-AFF4589DCD73}"/>
               </a:ext>
             </a:extLst>
           </p:cNvPr>
@@ -4057,7 +4068,7 @@
           <p:cNvPr id="7" name="Star: 5 Points 6">
             <a:extLst>
               <a:ext uri="{FF2B5EF4-FFF2-40B4-BE49-F238E27FC236}">
-                <a16:creationId xmlns:a16="http://schemas.microsoft.com/office/drawing/2014/main" id="{08912571-FB9A-48AA-9E30-5C3FCF28415B}"/>
+                <a16:creationId xmlns:a16="http://schemas.microsoft.com/office/drawing/2014/main" xmlns="" id="{08912571-FB9A-48AA-9E30-5C3FCF28415B}"/>
               </a:ext>
             </a:extLst>
           </p:cNvPr>
@@ -4106,7 +4117,7 @@
           <p:cNvPr id="8" name="TextBox 7">
             <a:extLst>
               <a:ext uri="{FF2B5EF4-FFF2-40B4-BE49-F238E27FC236}">
-                <a16:creationId xmlns:a16="http://schemas.microsoft.com/office/drawing/2014/main" id="{079596C2-05DF-4FC5-AD7D-ADAC07E73E47}"/>
+                <a16:creationId xmlns:a16="http://schemas.microsoft.com/office/drawing/2014/main" xmlns="" id="{079596C2-05DF-4FC5-AD7D-ADAC07E73E47}"/>
               </a:ext>
             </a:extLst>
           </p:cNvPr>
@@ -4160,7 +4171,7 @@
           <p:cNvPr id="10" name="Straight Arrow Connector 9">
             <a:extLst>
               <a:ext uri="{FF2B5EF4-FFF2-40B4-BE49-F238E27FC236}">
-                <a16:creationId xmlns:a16="http://schemas.microsoft.com/office/drawing/2014/main" id="{2B7A2841-25DE-4C15-8CE5-699F7E97D110}"/>
+                <a16:creationId xmlns:a16="http://schemas.microsoft.com/office/drawing/2014/main" xmlns="" id="{2B7A2841-25DE-4C15-8CE5-699F7E97D110}"/>
               </a:ext>
             </a:extLst>
           </p:cNvPr>
@@ -4202,7 +4213,7 @@
           <p:cNvPr id="11" name="Straight Arrow Connector 10">
             <a:extLst>
               <a:ext uri="{FF2B5EF4-FFF2-40B4-BE49-F238E27FC236}">
-                <a16:creationId xmlns:a16="http://schemas.microsoft.com/office/drawing/2014/main" id="{BA087A9E-9914-4774-B9EA-7CB75F8A29B2}"/>
+                <a16:creationId xmlns:a16="http://schemas.microsoft.com/office/drawing/2014/main" xmlns="" id="{BA087A9E-9914-4774-B9EA-7CB75F8A29B2}"/>
               </a:ext>
             </a:extLst>
           </p:cNvPr>
